--- a/JavaScriptTheWeirdParts.pptx
+++ b/JavaScriptTheWeirdParts.pptx
@@ -3158,7 +3158,11 @@
           <a:p>
             <a:r>
               <a:rPr lang="en-NZ" dirty="0" smtClean="0"/>
-              <a:t>prototype</a:t>
+              <a:t>P</a:t>
+            </a:r>
+            <a:r>
+              <a:rPr lang="en-NZ" dirty="0" smtClean="0"/>
+              <a:t>rototype</a:t>
             </a:r>
             <a:endParaRPr lang="en-NZ" dirty="0"/>
           </a:p>
@@ -3176,9 +3180,21 @@
         </p:nvSpPr>
         <p:spPr/>
         <p:txBody>
-          <a:bodyPr/>
-          <a:lstStyle/>
-          <a:p>
+          <a:bodyPr>
+            <a:normAutofit fontScale="92500"/>
+          </a:bodyPr>
+          <a:lstStyle/>
+          <a:p>
+            <a:r>
+              <a:rPr lang="en-NZ" dirty="0" smtClean="0"/>
+              <a:t>Every object has a prototype except the base object.</a:t>
+            </a:r>
+          </a:p>
+          <a:p>
+            <a:r>
+              <a:rPr lang="en-NZ" dirty="0" smtClean="0"/>
+              <a:t>JavaScript objects have a link to a prototype object. When trying to access a property of an object, the property will not only be sought on the object but on the prototype of the object, the prototype of the prototype, and so on until either a property with a matching name is found or the end of the prototype chain is reached.</a:t>
+            </a:r>
             <a:endParaRPr lang="en-NZ" dirty="0"/>
           </a:p>
         </p:txBody>
@@ -3292,11 +3308,7 @@
           <a:p>
             <a:r>
               <a:rPr lang="en-NZ" dirty="0" smtClean="0"/>
-              <a:t>really weird </a:t>
-            </a:r>
-            <a:r>
-              <a:rPr lang="en-NZ" dirty="0" smtClean="0"/>
-              <a:t>Stuff</a:t>
+              <a:t>really weird Stuff</a:t>
             </a:r>
             <a:endParaRPr lang="en-NZ" dirty="0"/>
           </a:p>
@@ -3892,11 +3904,7 @@
           <a:p>
             <a:r>
               <a:rPr lang="en-NZ" dirty="0" smtClean="0"/>
-              <a:t>The execution context - Creation and </a:t>
-            </a:r>
-            <a:r>
-              <a:rPr lang="en-NZ" dirty="0" smtClean="0"/>
-              <a:t>Hoisting</a:t>
+              <a:t>The execution context - Creation and Hoisting</a:t>
             </a:r>
             <a:endParaRPr lang="en-NZ" dirty="0"/>
           </a:p>
@@ -4012,7 +4020,6 @@
               <a:rPr lang="en-NZ" dirty="0" smtClean="0"/>
               <a:t>First class functions – Everything you can do with other types you can do with functions</a:t>
             </a:r>
-            <a:endParaRPr lang="en-NZ" dirty="0" smtClean="0"/>
           </a:p>
           <a:p>
             <a:pPr>
@@ -4153,27 +4160,7 @@
           <a:p>
             <a:r>
               <a:rPr lang="en-NZ" dirty="0" smtClean="0"/>
-              <a:t>I</a:t>
-            </a:r>
-            <a:r>
-              <a:rPr lang="en-NZ" dirty="0" smtClean="0"/>
-              <a:t>mmediately </a:t>
-            </a:r>
-            <a:r>
-              <a:rPr lang="en-NZ" dirty="0" smtClean="0"/>
-              <a:t>I</a:t>
-            </a:r>
-            <a:r>
-              <a:rPr lang="en-NZ" dirty="0" smtClean="0"/>
-              <a:t>nvoked </a:t>
-            </a:r>
-            <a:r>
-              <a:rPr lang="en-NZ" dirty="0" smtClean="0"/>
-              <a:t>F</a:t>
-            </a:r>
-            <a:r>
-              <a:rPr lang="en-NZ" dirty="0" smtClean="0"/>
-              <a:t>unctions</a:t>
+              <a:t>Immediately Invoked Functions</a:t>
             </a:r>
             <a:endParaRPr lang="en-NZ" dirty="0"/>
           </a:p>
@@ -4198,15 +4185,7 @@
           <a:p>
             <a:r>
               <a:rPr lang="en-NZ" dirty="0" smtClean="0"/>
-              <a:t>An </a:t>
-            </a:r>
-            <a:r>
-              <a:rPr lang="en-NZ" dirty="0" smtClean="0"/>
-              <a:t>Immediately-Invoked </a:t>
-            </a:r>
-            <a:r>
-              <a:rPr lang="en-NZ" dirty="0" smtClean="0"/>
-              <a:t>Function Expression, or </a:t>
+              <a:t>An Immediately-Invoked Function Expression, or </a:t>
             </a:r>
             <a:r>
               <a:rPr lang="en-NZ" b="1" dirty="0" smtClean="0"/>
@@ -4214,19 +4193,7 @@
             </a:r>
             <a:r>
               <a:rPr lang="en-NZ" dirty="0" smtClean="0"/>
-              <a:t> for </a:t>
-            </a:r>
-            <a:r>
-              <a:rPr lang="en-NZ" dirty="0" smtClean="0"/>
-              <a:t>short is a function that </a:t>
-            </a:r>
-            <a:r>
-              <a:rPr lang="en-NZ" dirty="0" smtClean="0"/>
-              <a:t>executes immediately after it’s created</a:t>
-            </a:r>
-            <a:r>
-              <a:rPr lang="en-NZ" dirty="0" smtClean="0"/>
-              <a:t>.</a:t>
+              <a:t> for short is a function that executes immediately after it’s created.</a:t>
             </a:r>
           </a:p>
           <a:p>
@@ -4252,13 +4219,17 @@
             </a:pPr>
             <a:r>
               <a:rPr lang="en-NZ" dirty="0" smtClean="0"/>
-              <a:t>	</a:t>
-            </a:r>
+              <a:t>	;(functions () { </a:t>
+            </a:r>
+          </a:p>
+          <a:p>
+            <a:pPr>
+              <a:buNone/>
+            </a:pPr>
             <a:r>
               <a:rPr lang="en-NZ" dirty="0" smtClean="0"/>
-              <a:t>;(functions () { </a:t>
-            </a:r>
-            <a:endParaRPr lang="en-NZ" dirty="0" smtClean="0"/>
+              <a:t>		//Some stuff </a:t>
+            </a:r>
           </a:p>
           <a:p>
             <a:pPr>
@@ -4266,29 +4237,7 @@
             </a:pPr>
             <a:r>
               <a:rPr lang="en-NZ" dirty="0" smtClean="0"/>
-              <a:t>	</a:t>
-            </a:r>
-            <a:r>
-              <a:rPr lang="en-NZ" dirty="0" smtClean="0"/>
-              <a:t>	//</a:t>
-            </a:r>
-            <a:r>
-              <a:rPr lang="en-NZ" dirty="0" smtClean="0"/>
-              <a:t>Some stuff </a:t>
-            </a:r>
-            <a:endParaRPr lang="en-NZ" dirty="0" smtClean="0"/>
-          </a:p>
-          <a:p>
-            <a:pPr>
-              <a:buNone/>
-            </a:pPr>
-            <a:r>
-              <a:rPr lang="en-NZ" dirty="0" smtClean="0"/>
-              <a:t>	</a:t>
-            </a:r>
-            <a:r>
-              <a:rPr lang="en-NZ" dirty="0" smtClean="0"/>
-              <a:t>}());</a:t>
+              <a:t>	}());</a:t>
             </a:r>
             <a:endParaRPr lang="en-NZ" dirty="0"/>
           </a:p>

--- a/JavaScriptTheWeirdParts.pptx
+++ b/JavaScriptTheWeirdParts.pptx
@@ -115,6 +115,22 @@
       </a:defRPr>
     </a:lvl9pPr>
   </p:defaultTextStyle>
+  <p:extLst>
+    <p:ext uri="{EFAFB233-063F-42B5-8137-9DF3F51BA10A}">
+      <p15:sldGuideLst xmlns:p15="http://schemas.microsoft.com/office/powerpoint/2012/main">
+        <p15:guide id="1" orient="horz" pos="2160">
+          <p15:clr>
+            <a:srgbClr val="A4A3A4"/>
+          </p15:clr>
+        </p15:guide>
+        <p15:guide id="2" pos="2880">
+          <p15:clr>
+            <a:srgbClr val="A4A3A4"/>
+          </p15:clr>
+        </p15:guide>
+      </p15:sldGuideLst>
+    </p:ext>
+  </p:extLst>
 </p:presentation>
 </file>
 
@@ -300,7 +316,7 @@
             <a:fld id="{5B692EA3-BDBA-4D44-B25E-98FB01FEC377}" type="datetimeFigureOut">
               <a:rPr lang="en-NZ" smtClean="0"/>
               <a:pPr/>
-              <a:t>12/07/2016</a:t>
+              <a:t>13/07/2016</a:t>
             </a:fld>
             <a:endParaRPr lang="en-NZ"/>
           </a:p>
@@ -467,7 +483,7 @@
             <a:fld id="{5B692EA3-BDBA-4D44-B25E-98FB01FEC377}" type="datetimeFigureOut">
               <a:rPr lang="en-NZ" smtClean="0"/>
               <a:pPr/>
-              <a:t>12/07/2016</a:t>
+              <a:t>13/07/2016</a:t>
             </a:fld>
             <a:endParaRPr lang="en-NZ"/>
           </a:p>
@@ -644,7 +660,7 @@
             <a:fld id="{5B692EA3-BDBA-4D44-B25E-98FB01FEC377}" type="datetimeFigureOut">
               <a:rPr lang="en-NZ" smtClean="0"/>
               <a:pPr/>
-              <a:t>12/07/2016</a:t>
+              <a:t>13/07/2016</a:t>
             </a:fld>
             <a:endParaRPr lang="en-NZ"/>
           </a:p>
@@ -811,7 +827,7 @@
             <a:fld id="{5B692EA3-BDBA-4D44-B25E-98FB01FEC377}" type="datetimeFigureOut">
               <a:rPr lang="en-NZ" smtClean="0"/>
               <a:pPr/>
-              <a:t>12/07/2016</a:t>
+              <a:t>13/07/2016</a:t>
             </a:fld>
             <a:endParaRPr lang="en-NZ"/>
           </a:p>
@@ -1054,7 +1070,7 @@
             <a:fld id="{5B692EA3-BDBA-4D44-B25E-98FB01FEC377}" type="datetimeFigureOut">
               <a:rPr lang="en-NZ" smtClean="0"/>
               <a:pPr/>
-              <a:t>12/07/2016</a:t>
+              <a:t>13/07/2016</a:t>
             </a:fld>
             <a:endParaRPr lang="en-NZ"/>
           </a:p>
@@ -1339,7 +1355,7 @@
             <a:fld id="{5B692EA3-BDBA-4D44-B25E-98FB01FEC377}" type="datetimeFigureOut">
               <a:rPr lang="en-NZ" smtClean="0"/>
               <a:pPr/>
-              <a:t>12/07/2016</a:t>
+              <a:t>13/07/2016</a:t>
             </a:fld>
             <a:endParaRPr lang="en-NZ"/>
           </a:p>
@@ -1758,7 +1774,7 @@
             <a:fld id="{5B692EA3-BDBA-4D44-B25E-98FB01FEC377}" type="datetimeFigureOut">
               <a:rPr lang="en-NZ" smtClean="0"/>
               <a:pPr/>
-              <a:t>12/07/2016</a:t>
+              <a:t>13/07/2016</a:t>
             </a:fld>
             <a:endParaRPr lang="en-NZ"/>
           </a:p>
@@ -1873,7 +1889,7 @@
             <a:fld id="{5B692EA3-BDBA-4D44-B25E-98FB01FEC377}" type="datetimeFigureOut">
               <a:rPr lang="en-NZ" smtClean="0"/>
               <a:pPr/>
-              <a:t>12/07/2016</a:t>
+              <a:t>13/07/2016</a:t>
             </a:fld>
             <a:endParaRPr lang="en-NZ"/>
           </a:p>
@@ -1965,7 +1981,7 @@
             <a:fld id="{5B692EA3-BDBA-4D44-B25E-98FB01FEC377}" type="datetimeFigureOut">
               <a:rPr lang="en-NZ" smtClean="0"/>
               <a:pPr/>
-              <a:t>12/07/2016</a:t>
+              <a:t>13/07/2016</a:t>
             </a:fld>
             <a:endParaRPr lang="en-NZ"/>
           </a:p>
@@ -2239,7 +2255,7 @@
             <a:fld id="{5B692EA3-BDBA-4D44-B25E-98FB01FEC377}" type="datetimeFigureOut">
               <a:rPr lang="en-NZ" smtClean="0"/>
               <a:pPr/>
-              <a:t>12/07/2016</a:t>
+              <a:t>13/07/2016</a:t>
             </a:fld>
             <a:endParaRPr lang="en-NZ"/>
           </a:p>
@@ -2489,7 +2505,7 @@
             <a:fld id="{5B692EA3-BDBA-4D44-B25E-98FB01FEC377}" type="datetimeFigureOut">
               <a:rPr lang="en-NZ" smtClean="0"/>
               <a:pPr/>
-              <a:t>12/07/2016</a:t>
+              <a:t>13/07/2016</a:t>
             </a:fld>
             <a:endParaRPr lang="en-NZ"/>
           </a:p>
@@ -2699,7 +2715,7 @@
             <a:fld id="{5B692EA3-BDBA-4D44-B25E-98FB01FEC377}" type="datetimeFigureOut">
               <a:rPr lang="en-NZ" smtClean="0"/>
               <a:pPr/>
-              <a:t>12/07/2016</a:t>
+              <a:t>13/07/2016</a:t>
             </a:fld>
             <a:endParaRPr lang="en-NZ"/>
           </a:p>
@@ -3158,11 +3174,7 @@
           <a:p>
             <a:r>
               <a:rPr lang="en-NZ" dirty="0" smtClean="0"/>
-              <a:t>P</a:t>
-            </a:r>
-            <a:r>
-              <a:rPr lang="en-NZ" dirty="0" smtClean="0"/>
-              <a:t>rototype</a:t>
+              <a:t>Prototype</a:t>
             </a:r>
             <a:endParaRPr lang="en-NZ" dirty="0"/>
           </a:p>
@@ -3240,8 +3252,12 @@
           <a:lstStyle/>
           <a:p>
             <a:r>
+              <a:rPr lang="en-NZ" dirty="0"/>
+              <a:t>C</a:t>
+            </a:r>
+            <a:r>
               <a:rPr lang="en-NZ" dirty="0" smtClean="0"/>
-              <a:t>closures</a:t>
+              <a:t>losures</a:t>
             </a:r>
             <a:endParaRPr lang="en-NZ" dirty="0"/>
           </a:p>
@@ -3257,12 +3273,51 @@
             <p:ph idx="1"/>
           </p:nvPr>
         </p:nvSpPr>
-        <p:spPr/>
-        <p:txBody>
-          <a:bodyPr/>
-          <a:lstStyle/>
-          <a:p>
-            <a:endParaRPr lang="en-NZ"/>
+        <p:spPr>
+          <a:xfrm>
+            <a:off x="457200" y="1340768"/>
+            <a:ext cx="8229600" cy="4785395"/>
+          </a:xfrm>
+        </p:spPr>
+        <p:txBody>
+          <a:bodyPr>
+            <a:normAutofit fontScale="85000" lnSpcReduction="10000"/>
+          </a:bodyPr>
+          <a:lstStyle/>
+          <a:p>
+            <a:r>
+              <a:rPr lang="en-US" dirty="0" smtClean="0"/>
+              <a:t>A </a:t>
+            </a:r>
+            <a:r>
+              <a:rPr lang="en-US" dirty="0"/>
+              <a:t>JavaScript closure is a function that has a pointer reference to a </a:t>
+            </a:r>
+            <a:r>
+              <a:rPr lang="en-US" dirty="0" smtClean="0"/>
+              <a:t>free/private </a:t>
+            </a:r>
+            <a:r>
+              <a:rPr lang="en-US" dirty="0"/>
+              <a:t>variable. A free variable is one that has fallen out of scope after its parent function has returned. However, if that outer function still has some reference to the free </a:t>
+            </a:r>
+            <a:r>
+              <a:rPr lang="en-US" dirty="0" err="1"/>
+              <a:t>var</a:t>
+            </a:r>
+            <a:r>
+              <a:rPr lang="en-US" dirty="0"/>
+              <a:t> (normally through a function that gets returned, or through a method property), the variable will not get garbage collected because it will have a non-zero reference count. Thus, from outside the function, we can still access the inner variable by means of the closure</a:t>
+            </a:r>
+            <a:r>
+              <a:rPr lang="en-US" dirty="0" smtClean="0"/>
+              <a:t>. </a:t>
+            </a:r>
+            <a:r>
+              <a:rPr lang="en-US" dirty="0"/>
+              <a:t>- https://www.youtube.com/watch?v=yiEeiMN2Khs</a:t>
+            </a:r>
+            <a:endParaRPr lang="en-NZ" dirty="0"/>
           </a:p>
         </p:txBody>
       </p:sp>

--- a/JavaScriptTheWeirdParts.pptx
+++ b/JavaScriptTheWeirdParts.pptx
@@ -316,7 +316,7 @@
             <a:fld id="{5B692EA3-BDBA-4D44-B25E-98FB01FEC377}" type="datetimeFigureOut">
               <a:rPr lang="en-NZ" smtClean="0"/>
               <a:pPr/>
-              <a:t>13/07/2016</a:t>
+              <a:t>14/07/2016</a:t>
             </a:fld>
             <a:endParaRPr lang="en-NZ"/>
           </a:p>
@@ -483,7 +483,7 @@
             <a:fld id="{5B692EA3-BDBA-4D44-B25E-98FB01FEC377}" type="datetimeFigureOut">
               <a:rPr lang="en-NZ" smtClean="0"/>
               <a:pPr/>
-              <a:t>13/07/2016</a:t>
+              <a:t>14/07/2016</a:t>
             </a:fld>
             <a:endParaRPr lang="en-NZ"/>
           </a:p>
@@ -660,7 +660,7 @@
             <a:fld id="{5B692EA3-BDBA-4D44-B25E-98FB01FEC377}" type="datetimeFigureOut">
               <a:rPr lang="en-NZ" smtClean="0"/>
               <a:pPr/>
-              <a:t>13/07/2016</a:t>
+              <a:t>14/07/2016</a:t>
             </a:fld>
             <a:endParaRPr lang="en-NZ"/>
           </a:p>
@@ -827,7 +827,7 @@
             <a:fld id="{5B692EA3-BDBA-4D44-B25E-98FB01FEC377}" type="datetimeFigureOut">
               <a:rPr lang="en-NZ" smtClean="0"/>
               <a:pPr/>
-              <a:t>13/07/2016</a:t>
+              <a:t>14/07/2016</a:t>
             </a:fld>
             <a:endParaRPr lang="en-NZ"/>
           </a:p>
@@ -1070,7 +1070,7 @@
             <a:fld id="{5B692EA3-BDBA-4D44-B25E-98FB01FEC377}" type="datetimeFigureOut">
               <a:rPr lang="en-NZ" smtClean="0"/>
               <a:pPr/>
-              <a:t>13/07/2016</a:t>
+              <a:t>14/07/2016</a:t>
             </a:fld>
             <a:endParaRPr lang="en-NZ"/>
           </a:p>
@@ -1355,7 +1355,7 @@
             <a:fld id="{5B692EA3-BDBA-4D44-B25E-98FB01FEC377}" type="datetimeFigureOut">
               <a:rPr lang="en-NZ" smtClean="0"/>
               <a:pPr/>
-              <a:t>13/07/2016</a:t>
+              <a:t>14/07/2016</a:t>
             </a:fld>
             <a:endParaRPr lang="en-NZ"/>
           </a:p>
@@ -1774,7 +1774,7 @@
             <a:fld id="{5B692EA3-BDBA-4D44-B25E-98FB01FEC377}" type="datetimeFigureOut">
               <a:rPr lang="en-NZ" smtClean="0"/>
               <a:pPr/>
-              <a:t>13/07/2016</a:t>
+              <a:t>14/07/2016</a:t>
             </a:fld>
             <a:endParaRPr lang="en-NZ"/>
           </a:p>
@@ -1889,7 +1889,7 @@
             <a:fld id="{5B692EA3-BDBA-4D44-B25E-98FB01FEC377}" type="datetimeFigureOut">
               <a:rPr lang="en-NZ" smtClean="0"/>
               <a:pPr/>
-              <a:t>13/07/2016</a:t>
+              <a:t>14/07/2016</a:t>
             </a:fld>
             <a:endParaRPr lang="en-NZ"/>
           </a:p>
@@ -1981,7 +1981,7 @@
             <a:fld id="{5B692EA3-BDBA-4D44-B25E-98FB01FEC377}" type="datetimeFigureOut">
               <a:rPr lang="en-NZ" smtClean="0"/>
               <a:pPr/>
-              <a:t>13/07/2016</a:t>
+              <a:t>14/07/2016</a:t>
             </a:fld>
             <a:endParaRPr lang="en-NZ"/>
           </a:p>
@@ -2255,7 +2255,7 @@
             <a:fld id="{5B692EA3-BDBA-4D44-B25E-98FB01FEC377}" type="datetimeFigureOut">
               <a:rPr lang="en-NZ" smtClean="0"/>
               <a:pPr/>
-              <a:t>13/07/2016</a:t>
+              <a:t>14/07/2016</a:t>
             </a:fld>
             <a:endParaRPr lang="en-NZ"/>
           </a:p>
@@ -2505,7 +2505,7 @@
             <a:fld id="{5B692EA3-BDBA-4D44-B25E-98FB01FEC377}" type="datetimeFigureOut">
               <a:rPr lang="en-NZ" smtClean="0"/>
               <a:pPr/>
-              <a:t>13/07/2016</a:t>
+              <a:t>14/07/2016</a:t>
             </a:fld>
             <a:endParaRPr lang="en-NZ"/>
           </a:p>
@@ -2715,7 +2715,7 @@
             <a:fld id="{5B692EA3-BDBA-4D44-B25E-98FB01FEC377}" type="datetimeFigureOut">
               <a:rPr lang="en-NZ" smtClean="0"/>
               <a:pPr/>
-              <a:t>13/07/2016</a:t>
+              <a:t>14/07/2016</a:t>
             </a:fld>
             <a:endParaRPr lang="en-NZ"/>
           </a:p>
@@ -3126,7 +3126,11 @@
           <a:p>
             <a:r>
               <a:rPr lang="en-NZ" dirty="0" smtClean="0"/>
-              <a:t>A code first presentation</a:t>
+              <a:t>A code first </a:t>
+            </a:r>
+            <a:r>
+              <a:rPr lang="en-NZ" dirty="0" smtClean="0"/>
+              <a:t>presentation using the worlds most boring slides.</a:t>
             </a:r>
             <a:endParaRPr lang="en-NZ" dirty="0"/>
           </a:p>
@@ -3137,6 +3141,13 @@
   <p:clrMapOvr>
     <a:masterClrMapping/>
   </p:clrMapOvr>
+  <p:timing>
+    <p:tnLst>
+      <p:par>
+        <p:cTn id="1" dur="indefinite" restart="never" nodeType="tmRoot"/>
+      </p:par>
+    </p:tnLst>
+  </p:timing>
 </p:sld>
 </file>
 
@@ -3193,21 +3204,31 @@
         <p:spPr/>
         <p:txBody>
           <a:bodyPr>
-            <a:normAutofit fontScale="92500"/>
+            <a:normAutofit/>
           </a:bodyPr>
           <a:lstStyle/>
           <a:p>
             <a:r>
-              <a:rPr lang="en-NZ" dirty="0" smtClean="0"/>
-              <a:t>Every object has a prototype except the base object.</a:t>
-            </a:r>
-          </a:p>
-          <a:p>
-            <a:r>
-              <a:rPr lang="en-NZ" dirty="0" smtClean="0"/>
+              <a:rPr lang="en-NZ" sz="2400" dirty="0" smtClean="0"/>
+              <a:t>Every object has a prototype except the base object</a:t>
+            </a:r>
+            <a:r>
+              <a:rPr lang="en-NZ" sz="2400" dirty="0" smtClean="0"/>
+              <a:t>.</a:t>
+            </a:r>
+          </a:p>
+          <a:p>
+            <a:pPr marL="0" indent="0">
+              <a:buNone/>
+            </a:pPr>
+            <a:endParaRPr lang="en-NZ" sz="2400" dirty="0" smtClean="0"/>
+          </a:p>
+          <a:p>
+            <a:r>
+              <a:rPr lang="en-NZ" sz="2400" dirty="0" smtClean="0"/>
               <a:t>JavaScript objects have a link to a prototype object. When trying to access a property of an object, the property will not only be sought on the object but on the prototype of the object, the prototype of the prototype, and so on until either a property with a matching name is found or the end of the prototype chain is reached.</a:t>
             </a:r>
-            <a:endParaRPr lang="en-NZ" dirty="0"/>
+            <a:endParaRPr lang="en-NZ" sz="2400" dirty="0"/>
           </a:p>
         </p:txBody>
       </p:sp>
@@ -3216,6 +3237,13 @@
   <p:clrMapOvr>
     <a:masterClrMapping/>
   </p:clrMapOvr>
+  <p:timing>
+    <p:tnLst>
+      <p:par>
+        <p:cTn id="1" dur="indefinite" restart="never" nodeType="tmRoot"/>
+      </p:par>
+    </p:tnLst>
+  </p:timing>
 </p:sld>
 </file>
 
@@ -3281,43 +3309,72 @@
         </p:spPr>
         <p:txBody>
           <a:bodyPr>
-            <a:normAutofit fontScale="85000" lnSpcReduction="10000"/>
+            <a:normAutofit/>
           </a:bodyPr>
           <a:lstStyle/>
           <a:p>
             <a:r>
-              <a:rPr lang="en-US" dirty="0" smtClean="0"/>
+              <a:rPr lang="en-US" sz="2400" dirty="0" smtClean="0"/>
               <a:t>A </a:t>
             </a:r>
             <a:r>
-              <a:rPr lang="en-US" dirty="0"/>
+              <a:rPr lang="en-US" sz="2400" dirty="0"/>
               <a:t>JavaScript closure is a function that has a pointer reference to a </a:t>
             </a:r>
             <a:r>
-              <a:rPr lang="en-US" dirty="0" smtClean="0"/>
+              <a:rPr lang="en-US" sz="2400" dirty="0" smtClean="0"/>
               <a:t>free/private </a:t>
             </a:r>
             <a:r>
-              <a:rPr lang="en-US" dirty="0"/>
+              <a:rPr lang="en-US" sz="2400" dirty="0"/>
               <a:t>variable. A free variable is one that has fallen out of scope after its parent function has returned. However, if that outer function still has some reference to the free </a:t>
             </a:r>
             <a:r>
-              <a:rPr lang="en-US" dirty="0" err="1"/>
+              <a:rPr lang="en-US" sz="2400" dirty="0" err="1"/>
               <a:t>var</a:t>
             </a:r>
             <a:r>
-              <a:rPr lang="en-US" dirty="0"/>
+              <a:rPr lang="en-US" sz="2400" dirty="0"/>
               <a:t> (normally through a function that gets returned, or through a method property), the variable will not get garbage collected because it will have a non-zero reference count. Thus, from outside the function, we can still access the inner variable by means of the closure</a:t>
             </a:r>
             <a:r>
-              <a:rPr lang="en-US" dirty="0" smtClean="0"/>
-              <a:t>. </a:t>
-            </a:r>
-            <a:r>
-              <a:rPr lang="en-US" dirty="0"/>
-              <a:t>- https://www.youtube.com/watch?v=yiEeiMN2Khs</a:t>
-            </a:r>
-            <a:endParaRPr lang="en-NZ" dirty="0"/>
+              <a:rPr lang="en-US" sz="2400" dirty="0" smtClean="0"/>
+              <a:t>.</a:t>
+            </a:r>
+          </a:p>
+          <a:p>
+            <a:pPr marL="0" indent="0">
+              <a:buNone/>
+            </a:pPr>
+            <a:r>
+              <a:rPr lang="en-US" sz="2400" dirty="0"/>
+              <a:t>	</a:t>
+            </a:r>
+            <a:r>
+              <a:rPr lang="en-US" sz="2400" dirty="0" smtClean="0">
+                <a:hlinkClick r:id="rId2"/>
+              </a:rPr>
+              <a:t>https</a:t>
+            </a:r>
+            <a:r>
+              <a:rPr lang="en-US" sz="2400" dirty="0">
+                <a:hlinkClick r:id="rId2"/>
+              </a:rPr>
+              <a:t>://</a:t>
+            </a:r>
+            <a:r>
+              <a:rPr lang="en-US" sz="2400" dirty="0" smtClean="0">
+                <a:hlinkClick r:id="rId2"/>
+              </a:rPr>
+              <a:t>www.youtube.com/watch?v=yiEeiMN2Khs</a:t>
+            </a:r>
+            <a:endParaRPr lang="en-US" sz="2400" dirty="0" smtClean="0"/>
+          </a:p>
+          <a:p>
+            <a:pPr marL="0" indent="0">
+              <a:buNone/>
+            </a:pPr>
+            <a:endParaRPr lang="en-NZ" sz="2400" dirty="0"/>
           </a:p>
         </p:txBody>
       </p:sp>
@@ -3326,6 +3383,13 @@
   <p:clrMapOvr>
     <a:masterClrMapping/>
   </p:clrMapOvr>
+  <p:timing>
+    <p:tnLst>
+      <p:par>
+        <p:cTn id="1" dur="indefinite" restart="never" nodeType="tmRoot"/>
+      </p:par>
+    </p:tnLst>
+  </p:timing>
 </p:sld>
 </file>
 
@@ -3381,14 +3445,84 @@
         </p:nvSpPr>
         <p:spPr/>
         <p:txBody>
-          <a:bodyPr/>
-          <a:lstStyle/>
-          <a:p>
-            <a:r>
-              <a:rPr lang="en-NZ" dirty="0" smtClean="0"/>
-              <a:t>http://charlieharvey.org.uk/page/javascript_the_weird_parts</a:t>
-            </a:r>
-            <a:endParaRPr lang="en-NZ" dirty="0"/>
+          <a:bodyPr>
+            <a:normAutofit/>
+          </a:bodyPr>
+          <a:lstStyle/>
+          <a:p>
+            <a:r>
+              <a:rPr lang="en-US" sz="2400" dirty="0" err="1"/>
+              <a:t>Javascript</a:t>
+            </a:r>
+            <a:r>
+              <a:rPr lang="en-US" sz="2400" dirty="0"/>
+              <a:t>. Love it or hate it </a:t>
+            </a:r>
+            <a:r>
+              <a:rPr lang="en-US" sz="2400" dirty="0" err="1"/>
+              <a:t>it</a:t>
+            </a:r>
+            <a:r>
+              <a:rPr lang="en-US" sz="2400" dirty="0"/>
+              <a:t> seems to have become the </a:t>
+            </a:r>
+            <a:r>
+              <a:rPr lang="en-US" sz="2400" dirty="0" err="1"/>
+              <a:t>defacto</a:t>
+            </a:r>
+            <a:r>
+              <a:rPr lang="en-US" sz="2400" dirty="0"/>
+              <a:t> virtual machine of the internet that Java was supposed to be. And it is odd. Like properly odd. This is a short collection of some weird things that </a:t>
+            </a:r>
+            <a:r>
+              <a:rPr lang="en-US" sz="2400" dirty="0" smtClean="0"/>
+              <a:t>people </a:t>
+            </a:r>
+            <a:r>
+              <a:rPr lang="en-US" sz="2400" dirty="0"/>
+              <a:t>have noticed about </a:t>
+            </a:r>
+            <a:r>
+              <a:rPr lang="en-US" sz="2400"/>
+              <a:t>it</a:t>
+            </a:r>
+            <a:r>
+              <a:rPr lang="en-US" sz="2400" smtClean="0"/>
+              <a:t>.</a:t>
+            </a:r>
+          </a:p>
+          <a:p>
+            <a:endParaRPr lang="en-US" sz="2400" dirty="0" smtClean="0"/>
+          </a:p>
+          <a:p>
+            <a:pPr marL="0" indent="0">
+              <a:buNone/>
+            </a:pPr>
+            <a:r>
+              <a:rPr lang="en-NZ" sz="2400" dirty="0" smtClean="0">
+                <a:hlinkClick r:id="rId2"/>
+              </a:rPr>
+              <a:t>http</a:t>
+            </a:r>
+            <a:r>
+              <a:rPr lang="en-NZ" sz="2400" dirty="0" smtClean="0">
+                <a:hlinkClick r:id="rId2"/>
+              </a:rPr>
+              <a:t>://</a:t>
+            </a:r>
+            <a:r>
+              <a:rPr lang="en-NZ" sz="2400" dirty="0" smtClean="0">
+                <a:hlinkClick r:id="rId2"/>
+              </a:rPr>
+              <a:t>charlieharvey.org.uk/page/javascript_the_weird_parts</a:t>
+            </a:r>
+            <a:endParaRPr lang="en-NZ" sz="2400" dirty="0" smtClean="0"/>
+          </a:p>
+          <a:p>
+            <a:pPr marL="0" indent="0">
+              <a:buNone/>
+            </a:pPr>
+            <a:endParaRPr lang="en-NZ" sz="2400" dirty="0"/>
           </a:p>
         </p:txBody>
       </p:sp>
@@ -3397,6 +3531,13 @@
   <p:clrMapOvr>
     <a:masterClrMapping/>
   </p:clrMapOvr>
+  <p:timing>
+    <p:tnLst>
+      <p:par>
+        <p:cTn id="1" dur="indefinite" restart="never" nodeType="tmRoot"/>
+      </p:par>
+    </p:tnLst>
+  </p:timing>
 </p:sld>
 </file>
 
@@ -3637,6 +3778,13 @@
   <p:clrMapOvr>
     <a:masterClrMapping/>
   </p:clrMapOvr>
+  <p:timing>
+    <p:tnLst>
+      <p:par>
+        <p:cTn id="1" dur="indefinite" restart="never" nodeType="tmRoot"/>
+      </p:par>
+    </p:tnLst>
+  </p:timing>
 </p:sld>
 </file>
 
@@ -3708,7 +3856,7 @@
           <a:lstStyle/>
           <a:p>
             <a:r>
-              <a:rPr lang="en-NZ" sz="2000" dirty="0" smtClean="0">
+              <a:rPr lang="en-NZ" sz="2400" dirty="0" smtClean="0">
                 <a:latin typeface="Arial" pitchFamily="34" charset="0"/>
                 <a:cs typeface="Arial" pitchFamily="34" charset="0"/>
               </a:rPr>
@@ -3719,28 +3867,28 @@
             <a:pPr>
               <a:buNone/>
             </a:pPr>
-            <a:endParaRPr lang="en-NZ" sz="2000" dirty="0" smtClean="0">
+            <a:endParaRPr lang="en-NZ" sz="2400" dirty="0" smtClean="0">
               <a:latin typeface="Arial" pitchFamily="34" charset="0"/>
               <a:cs typeface="Arial" pitchFamily="34" charset="0"/>
             </a:endParaRPr>
           </a:p>
           <a:p>
             <a:r>
-              <a:rPr lang="en-NZ" sz="2000" dirty="0" smtClean="0">
+              <a:rPr lang="en-NZ" sz="2400" dirty="0" smtClean="0">
                 <a:latin typeface="Arial" pitchFamily="34" charset="0"/>
                 <a:cs typeface="Arial" pitchFamily="34" charset="0"/>
               </a:rPr>
               <a:t>The === (triple equal) and !== (not triple equal?) operators compare value </a:t>
             </a:r>
             <a:r>
-              <a:rPr lang="en-NZ" sz="2000" i="1" dirty="0" smtClean="0">
+              <a:rPr lang="en-NZ" sz="2400" i="1" dirty="0" smtClean="0">
                 <a:latin typeface="Arial" pitchFamily="34" charset="0"/>
                 <a:cs typeface="Arial" pitchFamily="34" charset="0"/>
               </a:rPr>
               <a:t>and </a:t>
             </a:r>
             <a:r>
-              <a:rPr lang="en-NZ" sz="2000" dirty="0" smtClean="0">
+              <a:rPr lang="en-NZ" sz="2400" dirty="0" smtClean="0">
                 <a:latin typeface="Arial" pitchFamily="34" charset="0"/>
                 <a:cs typeface="Arial" pitchFamily="34" charset="0"/>
               </a:rPr>
@@ -3754,6 +3902,13 @@
   <p:clrMapOvr>
     <a:masterClrMapping/>
   </p:clrMapOvr>
+  <p:timing>
+    <p:tnLst>
+      <p:par>
+        <p:cTn id="1" dur="indefinite" restart="never" nodeType="tmRoot"/>
+      </p:par>
+    </p:tnLst>
+  </p:timing>
 </p:sld>
 </file>
 
@@ -3811,20 +3966,32 @@
         </p:nvSpPr>
         <p:spPr/>
         <p:txBody>
-          <a:bodyPr/>
-          <a:lstStyle/>
-          <a:p>
-            <a:r>
-              <a:rPr lang="en-NZ" dirty="0" smtClean="0"/>
-              <a:t>Every object has a reference to its outer environment.</a:t>
-            </a:r>
-          </a:p>
-          <a:p>
-            <a:r>
-              <a:rPr lang="en-NZ" dirty="0" smtClean="0"/>
+          <a:bodyPr>
+            <a:normAutofit/>
+          </a:bodyPr>
+          <a:lstStyle/>
+          <a:p>
+            <a:r>
+              <a:rPr lang="en-NZ" sz="2400" dirty="0" smtClean="0"/>
+              <a:t>Every object has a reference to its outer environment</a:t>
+            </a:r>
+            <a:r>
+              <a:rPr lang="en-NZ" sz="2400" dirty="0" smtClean="0"/>
+              <a:t>.</a:t>
+            </a:r>
+          </a:p>
+          <a:p>
+            <a:endParaRPr lang="en-NZ" sz="2400" dirty="0"/>
+          </a:p>
+          <a:p>
+            <a:endParaRPr lang="en-NZ" sz="2400" dirty="0" smtClean="0"/>
+          </a:p>
+          <a:p>
+            <a:r>
+              <a:rPr lang="en-NZ" sz="2400" dirty="0" smtClean="0"/>
               <a:t>The objects outer environment is determined by where it sits lexically in your code.</a:t>
             </a:r>
-            <a:endParaRPr lang="en-NZ" dirty="0"/>
+            <a:endParaRPr lang="en-NZ" sz="2400" dirty="0"/>
           </a:p>
         </p:txBody>
       </p:sp>
@@ -3833,6 +4000,13 @@
   <p:clrMapOvr>
     <a:masterClrMapping/>
   </p:clrMapOvr>
+  <p:timing>
+    <p:tnLst>
+      <p:par>
+        <p:cTn id="1" dur="indefinite" restart="never" nodeType="tmRoot"/>
+      </p:par>
+    </p:tnLst>
+  </p:timing>
 </p:sld>
 </file>
 
@@ -3896,22 +4070,32 @@
           <a:lstStyle/>
           <a:p>
             <a:r>
-              <a:rPr lang="en-NZ" sz="2000" dirty="0" smtClean="0"/>
-              <a:t>In JavaScript semicolons are optional. This is because the JavaScript compiler will insert these in automatically. Unfortunately the compiler just guesses where these should go; so we need to be careful on how we format our code.</a:t>
-            </a:r>
+              <a:rPr lang="en-NZ" sz="2400" dirty="0" smtClean="0"/>
+              <a:t>In JavaScript semicolons are optional. This is because the JavaScript compiler will insert these in automatically. Unfortunately the compiler just guesses where these should go; so we need to be careful on how we format our code</a:t>
+            </a:r>
+            <a:r>
+              <a:rPr lang="en-NZ" sz="2400" dirty="0" smtClean="0"/>
+              <a:t>.</a:t>
+            </a:r>
+          </a:p>
+          <a:p>
+            <a:pPr marL="0" indent="0">
+              <a:buNone/>
+            </a:pPr>
+            <a:endParaRPr lang="en-NZ" sz="2400" dirty="0" smtClean="0"/>
           </a:p>
           <a:p>
             <a:pPr>
               <a:buNone/>
             </a:pPr>
-            <a:endParaRPr lang="en-NZ" sz="2000" dirty="0" smtClean="0"/>
-          </a:p>
-          <a:p>
-            <a:r>
-              <a:rPr lang="en-NZ" sz="2000" dirty="0" smtClean="0"/>
+            <a:endParaRPr lang="en-NZ" sz="2400" dirty="0" smtClean="0"/>
+          </a:p>
+          <a:p>
+            <a:r>
+              <a:rPr lang="en-NZ" sz="2400" dirty="0" smtClean="0"/>
               <a:t>Learn more - http://www.bradoncode.com/blog/2015/08/26/javascript-semi-colon-insertion/</a:t>
             </a:r>
-            <a:endParaRPr lang="en-NZ" sz="2000" dirty="0"/>
+            <a:endParaRPr lang="en-NZ" sz="2400" dirty="0"/>
           </a:p>
         </p:txBody>
       </p:sp>
@@ -3920,6 +4104,13 @@
   <p:clrMapOvr>
     <a:masterClrMapping/>
   </p:clrMapOvr>
+  <p:timing>
+    <p:tnLst>
+      <p:par>
+        <p:cTn id="1" dur="indefinite" restart="never" nodeType="tmRoot"/>
+      </p:par>
+    </p:tnLst>
+  </p:timing>
 </p:sld>
 </file>
 
@@ -3978,33 +4169,54 @@
         <p:spPr/>
         <p:txBody>
           <a:bodyPr>
-            <a:normAutofit fontScale="92500"/>
+            <a:normAutofit/>
           </a:bodyPr>
           <a:lstStyle/>
           <a:p>
             <a:r>
-              <a:rPr lang="en-NZ" dirty="0" smtClean="0"/>
-              <a:t>Hoisting does not mean code is hoisted to the top of the file.</a:t>
-            </a:r>
-          </a:p>
-          <a:p>
-            <a:r>
-              <a:rPr lang="en-NZ" dirty="0" smtClean="0"/>
-              <a:t>The execution context is created in two phases</a:t>
-            </a:r>
-          </a:p>
-          <a:p>
-            <a:r>
-              <a:rPr lang="en-NZ" dirty="0" smtClean="0"/>
-              <a:t>The creation phase is where the memory space for variables and functions is setup. Functions are added in their entirety and variables and added as undefined until the execution phase.</a:t>
-            </a:r>
-          </a:p>
-          <a:p>
-            <a:r>
-              <a:rPr lang="en-NZ" dirty="0" smtClean="0"/>
+              <a:rPr lang="en-NZ" sz="2400" dirty="0" smtClean="0"/>
+              <a:t>Hoisting does not mean code is hoisted to the top of the file</a:t>
+            </a:r>
+            <a:r>
+              <a:rPr lang="en-NZ" sz="2400" dirty="0" smtClean="0"/>
+              <a:t>.</a:t>
+            </a:r>
+          </a:p>
+          <a:p>
+            <a:endParaRPr lang="en-NZ" sz="2400" dirty="0" smtClean="0"/>
+          </a:p>
+          <a:p>
+            <a:r>
+              <a:rPr lang="en-NZ" sz="2400" dirty="0" smtClean="0"/>
+              <a:t>The execution context is created in two </a:t>
+            </a:r>
+            <a:r>
+              <a:rPr lang="en-NZ" sz="2400" dirty="0" smtClean="0"/>
+              <a:t>phases</a:t>
+            </a:r>
+          </a:p>
+          <a:p>
+            <a:endParaRPr lang="en-NZ" sz="2400" dirty="0" smtClean="0"/>
+          </a:p>
+          <a:p>
+            <a:r>
+              <a:rPr lang="en-NZ" sz="2400" dirty="0" smtClean="0"/>
+              <a:t>The creation phase is where the memory space for variables and functions is setup. Functions are added in their entirety and variables and added as undefined until the execution phase</a:t>
+            </a:r>
+            <a:r>
+              <a:rPr lang="en-NZ" sz="2400" dirty="0" smtClean="0"/>
+              <a:t>.</a:t>
+            </a:r>
+          </a:p>
+          <a:p>
+            <a:endParaRPr lang="en-NZ" sz="2400" dirty="0" smtClean="0"/>
+          </a:p>
+          <a:p>
+            <a:r>
+              <a:rPr lang="en-NZ" sz="2400" dirty="0" smtClean="0"/>
               <a:t>The execution phase is where the code actually gets executed</a:t>
             </a:r>
-            <a:endParaRPr lang="en-NZ" dirty="0"/>
+            <a:endParaRPr lang="en-NZ" sz="2400" dirty="0"/>
           </a:p>
         </p:txBody>
       </p:sp>
@@ -4013,6 +4225,13 @@
   <p:clrMapOvr>
     <a:masterClrMapping/>
   </p:clrMapOvr>
+  <p:timing>
+    <p:tnLst>
+      <p:par>
+        <p:cTn id="1" dur="indefinite" restart="never" nodeType="tmRoot"/>
+      </p:par>
+    </p:tnLst>
+  </p:timing>
 </p:sld>
 </file>
 
@@ -4068,11 +4287,13 @@
         </p:nvSpPr>
         <p:spPr/>
         <p:txBody>
-          <a:bodyPr/>
-          <a:lstStyle/>
-          <a:p>
-            <a:r>
-              <a:rPr lang="en-NZ" dirty="0" smtClean="0"/>
+          <a:bodyPr>
+            <a:normAutofit/>
+          </a:bodyPr>
+          <a:lstStyle/>
+          <a:p>
+            <a:r>
+              <a:rPr lang="en-NZ" sz="2400" dirty="0" smtClean="0"/>
               <a:t>First class functions – Everything you can do with other types you can do with functions</a:t>
             </a:r>
           </a:p>
@@ -4081,15 +4302,49 @@
               <a:buNone/>
             </a:pPr>
             <a:r>
-              <a:rPr lang="en-NZ" dirty="0" smtClean="0"/>
-              <a:t>	Assign them to variables, pass them around as parameters to other functions, and create them on the fly.</a:t>
-            </a:r>
-          </a:p>
-          <a:p>
-            <a:r>
-              <a:rPr lang="en-NZ" dirty="0" smtClean="0"/>
-              <a:t>The “Code” is just one of the properties of the function object along with name etc.</a:t>
-            </a:r>
+              <a:rPr lang="en-NZ" sz="2400" dirty="0" smtClean="0"/>
+              <a:t>	Assign them to variables, pass them around as parameters to other functions, and create them on the fly</a:t>
+            </a:r>
+            <a:r>
+              <a:rPr lang="en-NZ" sz="2400" dirty="0" smtClean="0"/>
+              <a:t>.</a:t>
+            </a:r>
+          </a:p>
+          <a:p>
+            <a:pPr>
+              <a:buNone/>
+            </a:pPr>
+            <a:endParaRPr lang="en-NZ" sz="2400" dirty="0" smtClean="0"/>
+          </a:p>
+          <a:p>
+            <a:r>
+              <a:rPr lang="en-NZ" sz="2400" dirty="0" smtClean="0"/>
+              <a:t>The “Code” is just one of the properties of the function object along with name etc</a:t>
+            </a:r>
+            <a:r>
+              <a:rPr lang="en-NZ" sz="2400" dirty="0" smtClean="0"/>
+              <a:t>.</a:t>
+            </a:r>
+          </a:p>
+          <a:p>
+            <a:endParaRPr lang="en-NZ" sz="2400" dirty="0" smtClean="0"/>
+          </a:p>
+          <a:p>
+            <a:r>
+              <a:rPr lang="en-NZ" sz="2400" dirty="0">
+                <a:hlinkClick r:id="rId2"/>
+              </a:rPr>
+              <a:t>http://helephant.com/2008/08/19/functions-are-first-class-objects-in-javascript</a:t>
+            </a:r>
+            <a:r>
+              <a:rPr lang="en-NZ" sz="2400" dirty="0" smtClean="0">
+                <a:hlinkClick r:id="rId2"/>
+              </a:rPr>
+              <a:t>/</a:t>
+            </a:r>
+            <a:endParaRPr lang="en-NZ" sz="2400" dirty="0" smtClean="0"/>
+          </a:p>
+          <a:p>
             <a:endParaRPr lang="en-NZ" dirty="0"/>
           </a:p>
         </p:txBody>
@@ -4099,6 +4354,13 @@
   <p:clrMapOvr>
     <a:masterClrMapping/>
   </p:clrMapOvr>
+  <p:timing>
+    <p:tnLst>
+      <p:par>
+        <p:cTn id="1" dur="indefinite" restart="never" nodeType="tmRoot"/>
+      </p:par>
+    </p:tnLst>
+  </p:timing>
 </p:sld>
 </file>
 
@@ -4154,22 +4416,24 @@
         </p:nvSpPr>
         <p:spPr/>
         <p:txBody>
-          <a:bodyPr/>
-          <a:lstStyle/>
-          <a:p>
-            <a:r>
-              <a:rPr lang="en-NZ" dirty="0" smtClean="0"/>
+          <a:bodyPr>
+            <a:normAutofit/>
+          </a:bodyPr>
+          <a:lstStyle/>
+          <a:p>
+            <a:r>
+              <a:rPr lang="en-NZ" sz="2400" dirty="0" smtClean="0"/>
               <a:t>Functional programming provides developers with the tools to abstract common collection operations into reusable, </a:t>
             </a:r>
             <a:r>
-              <a:rPr lang="en-NZ" dirty="0" err="1" smtClean="0"/>
+              <a:rPr lang="en-NZ" sz="2400" dirty="0" err="1" smtClean="0"/>
               <a:t>composable</a:t>
             </a:r>
             <a:r>
-              <a:rPr lang="en-NZ" dirty="0" smtClean="0"/>
+              <a:rPr lang="en-NZ" sz="2400" dirty="0" smtClean="0"/>
               <a:t> building blocks</a:t>
             </a:r>
-            <a:endParaRPr lang="en-NZ" dirty="0"/>
+            <a:endParaRPr lang="en-NZ" sz="2400" dirty="0"/>
           </a:p>
         </p:txBody>
       </p:sp>
@@ -4178,6 +4442,13 @@
   <p:clrMapOvr>
     <a:masterClrMapping/>
   </p:clrMapOvr>
+  <p:timing>
+    <p:tnLst>
+      <p:par>
+        <p:cTn id="1" dur="indefinite" restart="never" nodeType="tmRoot"/>
+      </p:par>
+    </p:tnLst>
+  </p:timing>
 </p:sld>
 </file>
 
@@ -4239,32 +4510,41 @@
           <a:lstStyle/>
           <a:p>
             <a:r>
-              <a:rPr lang="en-NZ" dirty="0" smtClean="0"/>
+              <a:rPr lang="en-NZ" sz="2400" dirty="0" smtClean="0"/>
               <a:t>An Immediately-Invoked Function Expression, or </a:t>
             </a:r>
             <a:r>
-              <a:rPr lang="en-NZ" b="1" dirty="0" smtClean="0"/>
+              <a:rPr lang="en-NZ" sz="2400" b="1" dirty="0" smtClean="0"/>
               <a:t>IIFE</a:t>
             </a:r>
             <a:r>
-              <a:rPr lang="en-NZ" dirty="0" smtClean="0"/>
-              <a:t> for short is a function that executes immediately after it’s created.</a:t>
-            </a:r>
-          </a:p>
-          <a:p>
-            <a:r>
-              <a:rPr lang="en-NZ" dirty="0" smtClean="0"/>
+              <a:rPr lang="en-NZ" sz="2400" dirty="0" smtClean="0"/>
+              <a:t> for short is a function that executes immediately after it’s created</a:t>
+            </a:r>
+            <a:r>
+              <a:rPr lang="en-NZ" sz="2400" dirty="0" smtClean="0"/>
+              <a:t>.</a:t>
+            </a:r>
+          </a:p>
+          <a:p>
+            <a:endParaRPr lang="en-NZ" sz="2400" dirty="0" smtClean="0"/>
+          </a:p>
+          <a:p>
+            <a:r>
+              <a:rPr lang="en-NZ" sz="2400" dirty="0" smtClean="0"/>
               <a:t>They are useful for when creating </a:t>
             </a:r>
             <a:r>
-              <a:rPr lang="en-NZ" dirty="0" err="1" smtClean="0"/>
+              <a:rPr lang="en-NZ" sz="2400" dirty="0" smtClean="0"/>
               <a:t>plugins</a:t>
             </a:r>
-            <a:endParaRPr lang="en-NZ" dirty="0" smtClean="0"/>
-          </a:p>
-          <a:p>
-            <a:r>
-              <a:rPr lang="en-NZ" dirty="0" smtClean="0"/>
+          </a:p>
+          <a:p>
+            <a:endParaRPr lang="en-NZ" sz="2400" dirty="0" smtClean="0"/>
+          </a:p>
+          <a:p>
+            <a:r>
+              <a:rPr lang="en-NZ" sz="2400" dirty="0" smtClean="0"/>
               <a:t>Not uncommon to start with a ; e.g.</a:t>
             </a:r>
           </a:p>
@@ -4273,7 +4553,7 @@
               <a:buNone/>
             </a:pPr>
             <a:r>
-              <a:rPr lang="en-NZ" dirty="0" smtClean="0"/>
+              <a:rPr lang="en-NZ" sz="2400" dirty="0" smtClean="0"/>
               <a:t>	;(functions () { </a:t>
             </a:r>
           </a:p>
@@ -4282,7 +4562,7 @@
               <a:buNone/>
             </a:pPr>
             <a:r>
-              <a:rPr lang="en-NZ" dirty="0" smtClean="0"/>
+              <a:rPr lang="en-NZ" sz="2400" dirty="0" smtClean="0"/>
               <a:t>		//Some stuff </a:t>
             </a:r>
           </a:p>
@@ -4291,10 +4571,10 @@
               <a:buNone/>
             </a:pPr>
             <a:r>
-              <a:rPr lang="en-NZ" dirty="0" smtClean="0"/>
+              <a:rPr lang="en-NZ" sz="2400" dirty="0" smtClean="0"/>
               <a:t>	}());</a:t>
             </a:r>
-            <a:endParaRPr lang="en-NZ" dirty="0"/>
+            <a:endParaRPr lang="en-NZ" sz="2400" dirty="0"/>
           </a:p>
         </p:txBody>
       </p:sp>
@@ -4303,6 +4583,13 @@
   <p:clrMapOvr>
     <a:masterClrMapping/>
   </p:clrMapOvr>
+  <p:timing>
+    <p:tnLst>
+      <p:par>
+        <p:cTn id="1" dur="indefinite" restart="never" nodeType="tmRoot"/>
+      </p:par>
+    </p:tnLst>
+  </p:timing>
 </p:sld>
 </file>
 
